--- a/Presentations/10-26-2020/10-26-2020.pptx
+++ b/Presentations/10-26-2020/10-26-2020.pptx
@@ -8,7 +8,12 @@
     <p:sldId id="256" r:id="rId2"/>
     <p:sldId id="257" r:id="rId3"/>
     <p:sldId id="258" r:id="rId4"/>
-    <p:sldId id="259" r:id="rId5"/>
+    <p:sldId id="260" r:id="rId5"/>
+    <p:sldId id="262" r:id="rId6"/>
+    <p:sldId id="261" r:id="rId7"/>
+    <p:sldId id="263" r:id="rId8"/>
+    <p:sldId id="259" r:id="rId9"/>
+    <p:sldId id="264" r:id="rId10"/>
   </p:sldIdLst>
   <p:sldSz cx="12192000" cy="6858000"/>
   <p:notesSz cx="6858000" cy="9144000"/>
@@ -107,6 +112,11 @@
       </a:defRPr>
     </a:lvl9pPr>
   </p:defaultTextStyle>
+  <p:extLst>
+    <p:ext uri="{EFAFB233-063F-42B5-8137-9DF3F51BA10A}">
+      <p15:sldGuideLst xmlns:p15="http://schemas.microsoft.com/office/powerpoint/2012/main"/>
+    </p:ext>
+  </p:extLst>
 </p:presentation>
 </file>
 
@@ -273,7 +283,7 @@
           <a:p>
             <a:fld id="{1160EA64-D806-43AC-9DF2-F8C432F32B4C}" type="datetimeFigureOut">
               <a:rPr lang="en-US" dirty="0"/>
-              <a:t>10/24/20</a:t>
+              <a:t>10/25/20</a:t>
             </a:fld>
             <a:endParaRPr lang="en-US" dirty="0"/>
           </a:p>
@@ -439,7 +449,7 @@
           <a:p>
             <a:fld id="{E9F9C37B-1D36-470B-8223-D6C91242EC14}" type="datetimeFigureOut">
               <a:rPr lang="en-US" dirty="0"/>
-              <a:t>10/24/20</a:t>
+              <a:t>10/25/20</a:t>
             </a:fld>
             <a:endParaRPr lang="en-US" dirty="0"/>
           </a:p>
@@ -614,7 +624,7 @@
           <a:p>
             <a:fld id="{67C6F52A-A82B-47A2-A83A-8C4C91F2D59F}" type="datetimeFigureOut">
               <a:rPr lang="en-US" dirty="0"/>
-              <a:t>10/24/20</a:t>
+              <a:t>10/25/20</a:t>
             </a:fld>
             <a:endParaRPr lang="en-US" dirty="0"/>
           </a:p>
@@ -779,7 +789,7 @@
           <a:p>
             <a:fld id="{F070A7B3-6521-4DCA-87E5-044747A908C1}" type="datetimeFigureOut">
               <a:rPr lang="en-US" dirty="0"/>
-              <a:t>10/24/20</a:t>
+              <a:t>10/25/20</a:t>
             </a:fld>
             <a:endParaRPr lang="en-US" dirty="0"/>
           </a:p>
@@ -1043,7 +1053,7 @@
           <a:p>
             <a:fld id="{1160EA64-D806-43AC-9DF2-F8C432F32B4C}" type="datetimeFigureOut">
               <a:rPr lang="en-US" dirty="0"/>
-              <a:t>10/24/20</a:t>
+              <a:t>10/25/20</a:t>
             </a:fld>
             <a:endParaRPr lang="en-US" dirty="0"/>
           </a:p>
@@ -1271,7 +1281,7 @@
           <a:p>
             <a:fld id="{AB134690-1557-4C89-A502-4959FE7FAD70}" type="datetimeFigureOut">
               <a:rPr lang="en-US" dirty="0"/>
-              <a:t>10/24/20</a:t>
+              <a:t>10/25/20</a:t>
             </a:fld>
             <a:endParaRPr lang="en-US" dirty="0"/>
           </a:p>
@@ -1625,7 +1635,7 @@
           <a:p>
             <a:fld id="{4F7D4976-E339-4826-83B7-FBD03F55ECF8}" type="datetimeFigureOut">
               <a:rPr lang="en-US" dirty="0"/>
-              <a:t>10/24/20</a:t>
+              <a:t>10/25/20</a:t>
             </a:fld>
             <a:endParaRPr lang="en-US" dirty="0"/>
           </a:p>
@@ -1761,7 +1771,7 @@
           <a:p>
             <a:fld id="{E1037C31-9E7A-4F99-8774-A0E530DE1A42}" type="datetimeFigureOut">
               <a:rPr lang="en-US" dirty="0"/>
-              <a:t>10/24/20</a:t>
+              <a:t>10/25/20</a:t>
             </a:fld>
             <a:endParaRPr lang="en-US" dirty="0"/>
           </a:p>
@@ -1851,7 +1861,7 @@
           <a:p>
             <a:fld id="{C278504F-A551-4DE0-9316-4DCD1D8CC752}" type="datetimeFigureOut">
               <a:rPr lang="en-US" dirty="0"/>
-              <a:t>10/24/20</a:t>
+              <a:t>10/25/20</a:t>
             </a:fld>
             <a:endParaRPr lang="en-US" dirty="0"/>
           </a:p>
@@ -2203,7 +2213,7 @@
           <a:p>
             <a:fld id="{D1BE4249-C0D0-4B06-8692-E8BB871AF643}" type="datetimeFigureOut">
               <a:rPr lang="en-US" dirty="0"/>
-              <a:t>10/24/20</a:t>
+              <a:t>10/25/20</a:t>
             </a:fld>
             <a:endParaRPr lang="en-US" dirty="0"/>
           </a:p>
@@ -2555,7 +2565,7 @@
           <a:p>
             <a:fld id="{042B0DB6-F5C7-45FB-8CF3-31B45F9C2DAC}" type="datetimeFigureOut">
               <a:rPr lang="en-US" dirty="0"/>
-              <a:t>10/24/20</a:t>
+              <a:t>10/25/20</a:t>
             </a:fld>
             <a:endParaRPr lang="en-US" dirty="0"/>
           </a:p>
@@ -2792,7 +2802,7 @@
           <a:p>
             <a:fld id="{1160EA64-D806-43AC-9DF2-F8C432F32B4C}" type="datetimeFigureOut">
               <a:rPr lang="en-US" dirty="0"/>
-              <a:t>10/24/20</a:t>
+              <a:t>10/25/20</a:t>
             </a:fld>
             <a:endParaRPr lang="en-US" dirty="0"/>
           </a:p>
@@ -3545,7 +3555,7 @@
           <a:p>
             <a:r>
               <a:rPr lang="en-US" dirty="0"/>
-              <a:t>Features and labels</a:t>
+              <a:t>Preprocessing</a:t>
             </a:r>
           </a:p>
         </p:txBody>
@@ -3766,6 +3776,81 @@
   <p:clrMapOvr>
     <a:masterClrMapping/>
   </p:clrMapOvr>
+  <p:timing>
+    <p:tnLst>
+      <p:par>
+        <p:cTn id="1" dur="indefinite" restart="never" nodeType="tmRoot">
+          <p:childTnLst>
+            <p:seq concurrent="1" nextAc="seek">
+              <p:cTn id="2" dur="indefinite" nodeType="mainSeq">
+                <p:childTnLst>
+                  <p:par>
+                    <p:cTn id="3" fill="hold">
+                      <p:stCondLst>
+                        <p:cond delay="indefinite"/>
+                      </p:stCondLst>
+                      <p:childTnLst>
+                        <p:par>
+                          <p:cTn id="4" fill="hold">
+                            <p:stCondLst>
+                              <p:cond delay="0"/>
+                            </p:stCondLst>
+                            <p:childTnLst>
+                              <p:par>
+                                <p:cTn id="5" presetID="1" presetClass="entr" presetSubtype="0" fill="hold" nodeType="clickEffect">
+                                  <p:stCondLst>
+                                    <p:cond delay="0"/>
+                                  </p:stCondLst>
+                                  <p:childTnLst>
+                                    <p:set>
+                                      <p:cBhvr>
+                                        <p:cTn id="6" dur="1" fill="hold">
+                                          <p:stCondLst>
+                                            <p:cond delay="0"/>
+                                          </p:stCondLst>
+                                        </p:cTn>
+                                        <p:tgtEl>
+                                          <p:spTgt spid="14"/>
+                                        </p:tgtEl>
+                                        <p:attrNameLst>
+                                          <p:attrName>style.visibility</p:attrName>
+                                        </p:attrNameLst>
+                                      </p:cBhvr>
+                                      <p:to>
+                                        <p:strVal val="visible"/>
+                                      </p:to>
+                                    </p:set>
+                                  </p:childTnLst>
+                                </p:cTn>
+                              </p:par>
+                            </p:childTnLst>
+                          </p:cTn>
+                        </p:par>
+                      </p:childTnLst>
+                    </p:cTn>
+                  </p:par>
+                </p:childTnLst>
+              </p:cTn>
+              <p:prevCondLst>
+                <p:cond evt="onPrev" delay="0">
+                  <p:tgtEl>
+                    <p:sldTgt/>
+                  </p:tgtEl>
+                </p:cond>
+              </p:prevCondLst>
+              <p:nextCondLst>
+                <p:cond evt="onNext" delay="0">
+                  <p:tgtEl>
+                    <p:sldTgt/>
+                  </p:tgtEl>
+                </p:cond>
+              </p:nextCondLst>
+            </p:seq>
+          </p:childTnLst>
+        </p:cTn>
+      </p:par>
+    </p:tnLst>
+  </p:timing>
 </p:sld>
 </file>
 
@@ -3791,6 +3876,656 @@
           <p:cNvPr id="2" name="Title 1">
             <a:extLst>
               <a:ext uri="{FF2B5EF4-FFF2-40B4-BE49-F238E27FC236}">
+                <a16:creationId xmlns:a16="http://schemas.microsoft.com/office/drawing/2014/main" id="{A8C5A716-3BFC-5746-80FE-54CED235E4F2}"/>
+              </a:ext>
+            </a:extLst>
+          </p:cNvPr>
+          <p:cNvSpPr>
+            <a:spLocks noGrp="1"/>
+          </p:cNvSpPr>
+          <p:nvPr>
+            <p:ph type="title"/>
+          </p:nvPr>
+        </p:nvSpPr>
+        <p:spPr/>
+        <p:txBody>
+          <a:bodyPr/>
+          <a:lstStyle/>
+          <a:p>
+            <a:r>
+              <a:rPr lang="en-US" dirty="0"/>
+              <a:t>Model</a:t>
+            </a:r>
+          </a:p>
+        </p:txBody>
+      </p:sp>
+      <p:pic>
+        <p:nvPicPr>
+          <p:cNvPr id="5" name="Content Placeholder 4" descr="A picture containing graphical user interface&#10;&#10;Description automatically generated">
+            <a:extLst>
+              <a:ext uri="{FF2B5EF4-FFF2-40B4-BE49-F238E27FC236}">
+                <a16:creationId xmlns:a16="http://schemas.microsoft.com/office/drawing/2014/main" id="{2E08D3F3-0A35-C744-8FEF-202E550A4711}"/>
+              </a:ext>
+            </a:extLst>
+          </p:cNvPr>
+          <p:cNvPicPr>
+            <a:picLocks noGrp="1" noChangeAspect="1"/>
+          </p:cNvPicPr>
+          <p:nvPr>
+            <p:ph idx="1"/>
+          </p:nvPr>
+        </p:nvPicPr>
+        <p:blipFill>
+          <a:blip r:embed="rId2"/>
+          <a:stretch>
+            <a:fillRect/>
+          </a:stretch>
+        </p:blipFill>
+        <p:spPr>
+          <a:xfrm>
+            <a:off x="894805" y="2791333"/>
+            <a:ext cx="4431392" cy="3101975"/>
+          </a:xfrm>
+        </p:spPr>
+      </p:pic>
+      <p:sp>
+        <p:nvSpPr>
+          <p:cNvPr id="6" name="TextBox 5">
+            <a:extLst>
+              <a:ext uri="{FF2B5EF4-FFF2-40B4-BE49-F238E27FC236}">
+                <a16:creationId xmlns:a16="http://schemas.microsoft.com/office/drawing/2014/main" id="{0A4DA74F-1F4B-C048-828D-3A91B392C159}"/>
+              </a:ext>
+            </a:extLst>
+          </p:cNvPr>
+          <p:cNvSpPr txBox="1"/>
+          <p:nvPr/>
+        </p:nvSpPr>
+        <p:spPr>
+          <a:xfrm>
+            <a:off x="5857103" y="2791333"/>
+            <a:ext cx="5029200" cy="2585323"/>
+          </a:xfrm>
+          <a:prstGeom prst="rect">
+            <a:avLst/>
+          </a:prstGeom>
+          <a:noFill/>
+        </p:spPr>
+        <p:txBody>
+          <a:bodyPr wrap="square" rtlCol="0">
+            <a:spAutoFit/>
+          </a:bodyPr>
+          <a:lstStyle/>
+          <a:p>
+            <a:pPr marL="285750" indent="-285750">
+              <a:buFont typeface="Arial" panose="020B0604020202020204" pitchFamily="34" charset="0"/>
+              <a:buChar char="•"/>
+            </a:pPr>
+            <a:r>
+              <a:rPr lang="en-US" dirty="0"/>
+              <a:t>7 hidden layers</a:t>
+            </a:r>
+          </a:p>
+          <a:p>
+            <a:pPr marL="285750" indent="-285750">
+              <a:buFont typeface="Arial" panose="020B0604020202020204" pitchFamily="34" charset="0"/>
+              <a:buChar char="•"/>
+            </a:pPr>
+            <a:r>
+              <a:rPr lang="en-US" dirty="0"/>
+              <a:t>Last layer activation: sigmoid</a:t>
+            </a:r>
+          </a:p>
+          <a:p>
+            <a:pPr marL="285750" indent="-285750">
+              <a:buFont typeface="Arial" panose="020B0604020202020204" pitchFamily="34" charset="0"/>
+              <a:buChar char="•"/>
+            </a:pPr>
+            <a:r>
+              <a:rPr lang="en-US" dirty="0"/>
+              <a:t>Loss: </a:t>
+            </a:r>
+            <a:r>
+              <a:rPr lang="en-US" dirty="0" err="1"/>
+              <a:t>binary_crossentropy</a:t>
+            </a:r>
+            <a:endParaRPr lang="en-US" dirty="0"/>
+          </a:p>
+          <a:p>
+            <a:pPr marL="285750" indent="-285750">
+              <a:buFont typeface="Arial" panose="020B0604020202020204" pitchFamily="34" charset="0"/>
+              <a:buChar char="•"/>
+            </a:pPr>
+            <a:r>
+              <a:rPr lang="en-US" dirty="0"/>
+              <a:t>Optimizer: Adam, </a:t>
+            </a:r>
+            <a:r>
+              <a:rPr lang="en-US" dirty="0" err="1"/>
+              <a:t>lr</a:t>
+            </a:r>
+            <a:r>
+              <a:rPr lang="en-US" dirty="0"/>
+              <a:t> = 0.000959, beta_1 = 0.9, beta_2 = 0.999</a:t>
+            </a:r>
+          </a:p>
+          <a:p>
+            <a:pPr marL="285750" indent="-285750">
+              <a:buFont typeface="Arial" panose="020B0604020202020204" pitchFamily="34" charset="0"/>
+              <a:buChar char="•"/>
+            </a:pPr>
+            <a:r>
+              <a:rPr lang="en-US" dirty="0"/>
+              <a:t>30 epochs</a:t>
+            </a:r>
+          </a:p>
+          <a:p>
+            <a:pPr marL="285750" indent="-285750">
+              <a:buFont typeface="Arial" panose="020B0604020202020204" pitchFamily="34" charset="0"/>
+              <a:buChar char="•"/>
+            </a:pPr>
+            <a:r>
+              <a:rPr lang="en-US" dirty="0"/>
+              <a:t>Accuracy</a:t>
+            </a:r>
+          </a:p>
+          <a:p>
+            <a:pPr marL="742950" lvl="1" indent="-285750">
+              <a:buFont typeface="Arial" panose="020B0604020202020204" pitchFamily="34" charset="0"/>
+              <a:buChar char="•"/>
+            </a:pPr>
+            <a:r>
+              <a:rPr lang="en-US" dirty="0"/>
+              <a:t>Training accuracy: 74% -&gt; 93%</a:t>
+            </a:r>
+          </a:p>
+          <a:p>
+            <a:pPr marL="742950" lvl="1" indent="-285750">
+              <a:buFont typeface="Arial" panose="020B0604020202020204" pitchFamily="34" charset="0"/>
+              <a:buChar char="•"/>
+            </a:pPr>
+            <a:r>
+              <a:rPr lang="en-US" dirty="0"/>
+              <a:t>Validation accuracy: 83% -&gt; 94%</a:t>
+            </a:r>
+          </a:p>
+        </p:txBody>
+      </p:sp>
+    </p:spTree>
+    <p:extLst>
+      <p:ext uri="{BB962C8B-B14F-4D97-AF65-F5344CB8AC3E}">
+        <p14:creationId xmlns:p14="http://schemas.microsoft.com/office/powerpoint/2010/main" val="827332185"/>
+      </p:ext>
+    </p:extLst>
+  </p:cSld>
+  <p:clrMapOvr>
+    <a:masterClrMapping/>
+  </p:clrMapOvr>
+</p:sld>
+</file>
+
+<file path=ppt/slides/slide5.xml><?xml version="1.0" encoding="utf-8"?>
+<p:sld xmlns:a="http://schemas.openxmlformats.org/drawingml/2006/main" xmlns:r="http://schemas.openxmlformats.org/officeDocument/2006/relationships" xmlns:p="http://schemas.openxmlformats.org/presentationml/2006/main">
+  <p:cSld>
+    <p:spTree>
+      <p:nvGrpSpPr>
+        <p:cNvPr id="1" name=""/>
+        <p:cNvGrpSpPr/>
+        <p:nvPr/>
+      </p:nvGrpSpPr>
+      <p:grpSpPr>
+        <a:xfrm>
+          <a:off x="0" y="0"/>
+          <a:ext cx="0" cy="0"/>
+          <a:chOff x="0" y="0"/>
+          <a:chExt cx="0" cy="0"/>
+        </a:xfrm>
+      </p:grpSpPr>
+      <p:sp>
+        <p:nvSpPr>
+          <p:cNvPr id="2" name="Title 1">
+            <a:extLst>
+              <a:ext uri="{FF2B5EF4-FFF2-40B4-BE49-F238E27FC236}">
+                <a16:creationId xmlns:a16="http://schemas.microsoft.com/office/drawing/2014/main" id="{C11578FA-E25F-6743-BB16-5AE7DDE90BB4}"/>
+              </a:ext>
+            </a:extLst>
+          </p:cNvPr>
+          <p:cNvSpPr>
+            <a:spLocks noGrp="1"/>
+          </p:cNvSpPr>
+          <p:nvPr>
+            <p:ph type="title"/>
+          </p:nvPr>
+        </p:nvSpPr>
+        <p:spPr/>
+        <p:txBody>
+          <a:bodyPr/>
+          <a:lstStyle/>
+          <a:p>
+            <a:r>
+              <a:rPr lang="en-US" dirty="0"/>
+              <a:t>Accuracy</a:t>
+            </a:r>
+          </a:p>
+        </p:txBody>
+      </p:sp>
+      <p:pic>
+        <p:nvPicPr>
+          <p:cNvPr id="4" name="Picture 3">
+            <a:extLst>
+              <a:ext uri="{FF2B5EF4-FFF2-40B4-BE49-F238E27FC236}">
+                <a16:creationId xmlns:a16="http://schemas.microsoft.com/office/drawing/2014/main" id="{DD459CDC-A760-0E4B-9867-B353E7DDDCE2}"/>
+              </a:ext>
+            </a:extLst>
+          </p:cNvPr>
+          <p:cNvPicPr>
+            <a:picLocks noChangeAspect="1"/>
+          </p:cNvPicPr>
+          <p:nvPr/>
+        </p:nvPicPr>
+        <p:blipFill>
+          <a:blip r:embed="rId2"/>
+          <a:stretch>
+            <a:fillRect/>
+          </a:stretch>
+        </p:blipFill>
+        <p:spPr>
+          <a:xfrm>
+            <a:off x="2438400" y="2153412"/>
+            <a:ext cx="7315200" cy="4572000"/>
+          </a:xfrm>
+          <a:prstGeom prst="rect">
+            <a:avLst/>
+          </a:prstGeom>
+        </p:spPr>
+      </p:pic>
+    </p:spTree>
+    <p:extLst>
+      <p:ext uri="{BB962C8B-B14F-4D97-AF65-F5344CB8AC3E}">
+        <p14:creationId xmlns:p14="http://schemas.microsoft.com/office/powerpoint/2010/main" val="3161117069"/>
+      </p:ext>
+    </p:extLst>
+  </p:cSld>
+  <p:clrMapOvr>
+    <a:masterClrMapping/>
+  </p:clrMapOvr>
+</p:sld>
+</file>
+
+<file path=ppt/slides/slide6.xml><?xml version="1.0" encoding="utf-8"?>
+<p:sld xmlns:a="http://schemas.openxmlformats.org/drawingml/2006/main" xmlns:r="http://schemas.openxmlformats.org/officeDocument/2006/relationships" xmlns:p="http://schemas.openxmlformats.org/presentationml/2006/main">
+  <p:cSld>
+    <p:bg>
+      <p:bgPr>
+        <a:solidFill>
+          <a:schemeClr val="accent2"/>
+        </a:solidFill>
+        <a:effectLst/>
+      </p:bgPr>
+    </p:bg>
+    <p:spTree>
+      <p:nvGrpSpPr>
+        <p:cNvPr id="1" name=""/>
+        <p:cNvGrpSpPr/>
+        <p:nvPr/>
+      </p:nvGrpSpPr>
+      <p:grpSpPr>
+        <a:xfrm>
+          <a:off x="0" y="0"/>
+          <a:ext cx="0" cy="0"/>
+          <a:chOff x="0" y="0"/>
+          <a:chExt cx="0" cy="0"/>
+        </a:xfrm>
+      </p:grpSpPr>
+      <p:sp>
+        <p:nvSpPr>
+          <p:cNvPr id="14" name="Rectangle 13">
+            <a:extLst>
+              <a:ext uri="{FF2B5EF4-FFF2-40B4-BE49-F238E27FC236}">
+                <a16:creationId xmlns:a16="http://schemas.microsoft.com/office/drawing/2014/main" id="{E9F26AF7-9AC1-49A4-8F89-2C63E1C0A0BB}"/>
+              </a:ext>
+              <a:ext uri="{C183D7F6-B498-43B3-948B-1728B52AA6E4}">
+                <adec:decorative xmlns:adec="http://schemas.microsoft.com/office/drawing/2017/decorative" val="1"/>
+              </a:ext>
+            </a:extLst>
+          </p:cNvPr>
+          <p:cNvSpPr>
+            <a:spLocks noGrp="1" noRot="1" noChangeAspect="1" noMove="1" noResize="1" noEditPoints="1" noAdjustHandles="1" noChangeArrowheads="1" noChangeShapeType="1" noTextEdit="1"/>
+          </p:cNvSpPr>
+          <p:nvPr>
+            <p:extLst>
+              <p:ext uri="{386F3935-93C4-4BCD-93E2-E3B085C9AB24}">
+                <p16:designElem xmlns:p16="http://schemas.microsoft.com/office/powerpoint/2015/main" val="1"/>
+              </p:ext>
+            </p:extLst>
+          </p:nvPr>
+        </p:nvSpPr>
+        <p:spPr>
+          <a:xfrm>
+            <a:off x="0" y="-2"/>
+            <a:ext cx="12192000" cy="4918511"/>
+          </a:xfrm>
+          <a:prstGeom prst="rect">
+            <a:avLst/>
+          </a:prstGeom>
+          <a:solidFill>
+            <a:srgbClr val="FFFFFF"/>
+          </a:solidFill>
+          <a:ln>
+            <a:noFill/>
+          </a:ln>
+        </p:spPr>
+        <p:style>
+          <a:lnRef idx="2">
+            <a:schemeClr val="accent1">
+              <a:shade val="50000"/>
+            </a:schemeClr>
+          </a:lnRef>
+          <a:fillRef idx="1">
+            <a:schemeClr val="accent1"/>
+          </a:fillRef>
+          <a:effectRef idx="0">
+            <a:schemeClr val="accent1"/>
+          </a:effectRef>
+          <a:fontRef idx="minor">
+            <a:schemeClr val="lt1"/>
+          </a:fontRef>
+        </p:style>
+        <p:txBody>
+          <a:bodyPr rtlCol="0" anchor="ctr"/>
+          <a:lstStyle/>
+          <a:p>
+            <a:pPr algn="ctr"/>
+            <a:endParaRPr lang="en-US"/>
+          </a:p>
+        </p:txBody>
+      </p:sp>
+      <p:sp>
+        <p:nvSpPr>
+          <p:cNvPr id="2" name="Title 1">
+            <a:extLst>
+              <a:ext uri="{FF2B5EF4-FFF2-40B4-BE49-F238E27FC236}">
+                <a16:creationId xmlns:a16="http://schemas.microsoft.com/office/drawing/2014/main" id="{96A2020E-6451-164F-BBC7-C11E22896896}"/>
+              </a:ext>
+            </a:extLst>
+          </p:cNvPr>
+          <p:cNvSpPr>
+            <a:spLocks noGrp="1"/>
+          </p:cNvSpPr>
+          <p:nvPr>
+            <p:ph type="title"/>
+          </p:nvPr>
+        </p:nvSpPr>
+        <p:spPr>
+          <a:xfrm>
+            <a:off x="1600200" y="4269282"/>
+            <a:ext cx="8991600" cy="1264762"/>
+          </a:xfrm>
+        </p:spPr>
+        <p:txBody>
+          <a:bodyPr vert="horz" lIns="274320" tIns="182880" rIns="274320" bIns="182880" rtlCol="0" anchor="ctr" anchorCtr="1">
+            <a:normAutofit/>
+          </a:bodyPr>
+          <a:lstStyle/>
+          <a:p>
+            <a:r>
+              <a:rPr lang="en-US" sz="3200" dirty="0"/>
+              <a:t>Accuracy</a:t>
+            </a:r>
+          </a:p>
+        </p:txBody>
+      </p:sp>
+      <p:pic>
+        <p:nvPicPr>
+          <p:cNvPr id="9" name="Picture 8" descr="Graphical user interface&#10;&#10;Description automatically generated">
+            <a:extLst>
+              <a:ext uri="{FF2B5EF4-FFF2-40B4-BE49-F238E27FC236}">
+                <a16:creationId xmlns:a16="http://schemas.microsoft.com/office/drawing/2014/main" id="{C1957261-9782-3643-9918-74B67056AC39}"/>
+              </a:ext>
+            </a:extLst>
+          </p:cNvPr>
+          <p:cNvPicPr>
+            <a:picLocks noChangeAspect="1"/>
+          </p:cNvPicPr>
+          <p:nvPr/>
+        </p:nvPicPr>
+        <p:blipFill rotWithShape="1">
+          <a:blip r:embed="rId2"/>
+          <a:srcRect l="25324" t="14219" r="39311"/>
+          <a:stretch/>
+        </p:blipFill>
+        <p:spPr>
+          <a:xfrm>
+            <a:off x="8201798" y="569402"/>
+            <a:ext cx="3218935" cy="5719199"/>
+          </a:xfrm>
+          <a:prstGeom prst="rect">
+            <a:avLst/>
+          </a:prstGeom>
+        </p:spPr>
+      </p:pic>
+      <p:pic>
+        <p:nvPicPr>
+          <p:cNvPr id="5" name="Content Placeholder 4" descr="Graphical user interface, application&#10;&#10;Description automatically generated">
+            <a:extLst>
+              <a:ext uri="{FF2B5EF4-FFF2-40B4-BE49-F238E27FC236}">
+                <a16:creationId xmlns:a16="http://schemas.microsoft.com/office/drawing/2014/main" id="{8601707E-54DF-9F4B-B684-C1A4482DA3E0}"/>
+              </a:ext>
+            </a:extLst>
+          </p:cNvPr>
+          <p:cNvPicPr>
+            <a:picLocks noGrp="1" noChangeAspect="1"/>
+          </p:cNvPicPr>
+          <p:nvPr>
+            <p:ph idx="1"/>
+          </p:nvPr>
+        </p:nvPicPr>
+        <p:blipFill rotWithShape="1">
+          <a:blip r:embed="rId3"/>
+          <a:srcRect l="26181" t="14219" r="38454"/>
+          <a:stretch/>
+        </p:blipFill>
+        <p:spPr>
+          <a:xfrm>
+            <a:off x="770239" y="569402"/>
+            <a:ext cx="3218934" cy="5719196"/>
+          </a:xfrm>
+          <a:prstGeom prst="rect">
+            <a:avLst/>
+          </a:prstGeom>
+        </p:spPr>
+      </p:pic>
+      <p:sp>
+        <p:nvSpPr>
+          <p:cNvPr id="10" name="TextBox 9">
+            <a:extLst>
+              <a:ext uri="{FF2B5EF4-FFF2-40B4-BE49-F238E27FC236}">
+                <a16:creationId xmlns:a16="http://schemas.microsoft.com/office/drawing/2014/main" id="{E4570540-FA9C-BC49-985C-B61FE2700EDE}"/>
+              </a:ext>
+            </a:extLst>
+          </p:cNvPr>
+          <p:cNvSpPr txBox="1"/>
+          <p:nvPr/>
+        </p:nvSpPr>
+        <p:spPr>
+          <a:xfrm>
+            <a:off x="1600200" y="200070"/>
+            <a:ext cx="1560443" cy="369332"/>
+          </a:xfrm>
+          <a:prstGeom prst="rect">
+            <a:avLst/>
+          </a:prstGeom>
+          <a:noFill/>
+        </p:spPr>
+        <p:txBody>
+          <a:bodyPr wrap="square" rtlCol="0">
+            <a:spAutoFit/>
+          </a:bodyPr>
+          <a:lstStyle/>
+          <a:p>
+            <a:r>
+              <a:rPr lang="en-US" dirty="0"/>
+              <a:t>Smoothing: 0.6</a:t>
+            </a:r>
+          </a:p>
+        </p:txBody>
+      </p:sp>
+      <p:sp>
+        <p:nvSpPr>
+          <p:cNvPr id="12" name="TextBox 11">
+            <a:extLst>
+              <a:ext uri="{FF2B5EF4-FFF2-40B4-BE49-F238E27FC236}">
+                <a16:creationId xmlns:a16="http://schemas.microsoft.com/office/drawing/2014/main" id="{58D536EC-D17D-D44F-8230-685F15FB5CE9}"/>
+              </a:ext>
+            </a:extLst>
+          </p:cNvPr>
+          <p:cNvSpPr txBox="1"/>
+          <p:nvPr/>
+        </p:nvSpPr>
+        <p:spPr>
+          <a:xfrm>
+            <a:off x="8816007" y="201357"/>
+            <a:ext cx="1775793" cy="369332"/>
+          </a:xfrm>
+          <a:prstGeom prst="rect">
+            <a:avLst/>
+          </a:prstGeom>
+          <a:noFill/>
+        </p:spPr>
+        <p:txBody>
+          <a:bodyPr wrap="square" rtlCol="0">
+            <a:spAutoFit/>
+          </a:bodyPr>
+          <a:lstStyle/>
+          <a:p>
+            <a:r>
+              <a:rPr lang="en-US" dirty="0"/>
+              <a:t>Smoothing: 0.999</a:t>
+            </a:r>
+          </a:p>
+        </p:txBody>
+      </p:sp>
+    </p:spTree>
+    <p:extLst>
+      <p:ext uri="{BB962C8B-B14F-4D97-AF65-F5344CB8AC3E}">
+        <p14:creationId xmlns:p14="http://schemas.microsoft.com/office/powerpoint/2010/main" val="1157812837"/>
+      </p:ext>
+    </p:extLst>
+  </p:cSld>
+  <p:clrMapOvr>
+    <a:masterClrMapping/>
+  </p:clrMapOvr>
+</p:sld>
+</file>
+
+<file path=ppt/slides/slide7.xml><?xml version="1.0" encoding="utf-8"?>
+<p:sld xmlns:a="http://schemas.openxmlformats.org/drawingml/2006/main" xmlns:r="http://schemas.openxmlformats.org/officeDocument/2006/relationships" xmlns:p="http://schemas.openxmlformats.org/presentationml/2006/main">
+  <p:cSld>
+    <p:spTree>
+      <p:nvGrpSpPr>
+        <p:cNvPr id="1" name=""/>
+        <p:cNvGrpSpPr/>
+        <p:nvPr/>
+      </p:nvGrpSpPr>
+      <p:grpSpPr>
+        <a:xfrm>
+          <a:off x="0" y="0"/>
+          <a:ext cx="0" cy="0"/>
+          <a:chOff x="0" y="0"/>
+          <a:chExt cx="0" cy="0"/>
+        </a:xfrm>
+      </p:grpSpPr>
+      <p:sp>
+        <p:nvSpPr>
+          <p:cNvPr id="2" name="Title 1">
+            <a:extLst>
+              <a:ext uri="{FF2B5EF4-FFF2-40B4-BE49-F238E27FC236}">
+                <a16:creationId xmlns:a16="http://schemas.microsoft.com/office/drawing/2014/main" id="{A6A84BA4-BFF0-9048-BF8B-0C6BF85D5081}"/>
+              </a:ext>
+            </a:extLst>
+          </p:cNvPr>
+          <p:cNvSpPr>
+            <a:spLocks noGrp="1"/>
+          </p:cNvSpPr>
+          <p:nvPr>
+            <p:ph type="title"/>
+          </p:nvPr>
+        </p:nvSpPr>
+        <p:spPr/>
+        <p:txBody>
+          <a:bodyPr/>
+          <a:lstStyle/>
+          <a:p>
+            <a:r>
+              <a:rPr lang="en-US" dirty="0"/>
+              <a:t>Prediction on test data</a:t>
+            </a:r>
+          </a:p>
+        </p:txBody>
+      </p:sp>
+      <p:pic>
+        <p:nvPicPr>
+          <p:cNvPr id="5" name="Content Placeholder 4">
+            <a:extLst>
+              <a:ext uri="{FF2B5EF4-FFF2-40B4-BE49-F238E27FC236}">
+                <a16:creationId xmlns:a16="http://schemas.microsoft.com/office/drawing/2014/main" id="{174579C7-2157-F347-AFAC-656A38C3240D}"/>
+              </a:ext>
+            </a:extLst>
+          </p:cNvPr>
+          <p:cNvPicPr>
+            <a:picLocks noGrp="1" noChangeAspect="1"/>
+          </p:cNvPicPr>
+          <p:nvPr>
+            <p:ph idx="1"/>
+          </p:nvPr>
+        </p:nvPicPr>
+        <p:blipFill>
+          <a:blip r:embed="rId2"/>
+          <a:stretch>
+            <a:fillRect/>
+          </a:stretch>
+        </p:blipFill>
+        <p:spPr>
+          <a:xfrm>
+            <a:off x="2230438" y="3716899"/>
+            <a:ext cx="7731125" cy="945026"/>
+          </a:xfrm>
+        </p:spPr>
+      </p:pic>
+    </p:spTree>
+    <p:extLst>
+      <p:ext uri="{BB962C8B-B14F-4D97-AF65-F5344CB8AC3E}">
+        <p14:creationId xmlns:p14="http://schemas.microsoft.com/office/powerpoint/2010/main" val="3327427737"/>
+      </p:ext>
+    </p:extLst>
+  </p:cSld>
+  <p:clrMapOvr>
+    <a:masterClrMapping/>
+  </p:clrMapOvr>
+</p:sld>
+</file>
+
+<file path=ppt/slides/slide8.xml><?xml version="1.0" encoding="utf-8"?>
+<p:sld xmlns:a="http://schemas.openxmlformats.org/drawingml/2006/main" xmlns:r="http://schemas.openxmlformats.org/officeDocument/2006/relationships" xmlns:p="http://schemas.openxmlformats.org/presentationml/2006/main">
+  <p:cSld>
+    <p:spTree>
+      <p:nvGrpSpPr>
+        <p:cNvPr id="1" name=""/>
+        <p:cNvGrpSpPr/>
+        <p:nvPr/>
+      </p:nvGrpSpPr>
+      <p:grpSpPr>
+        <a:xfrm>
+          <a:off x="0" y="0"/>
+          <a:ext cx="0" cy="0"/>
+          <a:chOff x="0" y="0"/>
+          <a:chExt cx="0" cy="0"/>
+        </a:xfrm>
+      </p:grpSpPr>
+      <p:sp>
+        <p:nvSpPr>
+          <p:cNvPr id="2" name="Title 1">
+            <a:extLst>
+              <a:ext uri="{FF2B5EF4-FFF2-40B4-BE49-F238E27FC236}">
                 <a16:creationId xmlns:a16="http://schemas.microsoft.com/office/drawing/2014/main" id="{8FD5FC8E-EC85-104E-B63D-C34D26B4DB86}"/>
               </a:ext>
             </a:extLst>
@@ -3809,7 +4544,7 @@
           <a:p>
             <a:r>
               <a:rPr lang="en-US" dirty="0"/>
-              <a:t>Model</a:t>
+              <a:t>Hyperparameter tuning</a:t>
             </a:r>
           </a:p>
         </p:txBody>
@@ -3926,7 +4661,7 @@
         </p:blipFill>
         <p:spPr>
           <a:xfrm>
-            <a:off x="7026875" y="163088"/>
+            <a:off x="6907605" y="163088"/>
             <a:ext cx="5165125" cy="2474956"/>
           </a:xfrm>
           <a:prstGeom prst="rect">
@@ -3956,7 +4691,7 @@
         </p:blipFill>
         <p:spPr>
           <a:xfrm>
-            <a:off x="169914" y="1399012"/>
+            <a:off x="607235" y="1117973"/>
             <a:ext cx="9080500" cy="5295900"/>
           </a:xfrm>
           <a:prstGeom prst="rect">
@@ -3968,6 +4703,471 @@
     <p:extLst>
       <p:ext uri="{BB962C8B-B14F-4D97-AF65-F5344CB8AC3E}">
         <p14:creationId xmlns:p14="http://schemas.microsoft.com/office/powerpoint/2010/main" val="3646748225"/>
+      </p:ext>
+    </p:extLst>
+  </p:cSld>
+  <p:clrMapOvr>
+    <a:masterClrMapping/>
+  </p:clrMapOvr>
+  <p:timing>
+    <p:tnLst>
+      <p:par>
+        <p:cTn id="1" dur="indefinite" restart="never" nodeType="tmRoot">
+          <p:childTnLst>
+            <p:seq concurrent="1" nextAc="seek">
+              <p:cTn id="2" dur="indefinite" nodeType="mainSeq">
+                <p:childTnLst>
+                  <p:par>
+                    <p:cTn id="3" fill="hold">
+                      <p:stCondLst>
+                        <p:cond delay="indefinite"/>
+                      </p:stCondLst>
+                      <p:childTnLst>
+                        <p:par>
+                          <p:cTn id="4" fill="hold">
+                            <p:stCondLst>
+                              <p:cond delay="0"/>
+                            </p:stCondLst>
+                            <p:childTnLst>
+                              <p:par>
+                                <p:cTn id="5" presetID="1" presetClass="entr" presetSubtype="0" fill="hold" nodeType="clickEffect">
+                                  <p:stCondLst>
+                                    <p:cond delay="0"/>
+                                  </p:stCondLst>
+                                  <p:childTnLst>
+                                    <p:set>
+                                      <p:cBhvr>
+                                        <p:cTn id="6" dur="1" fill="hold">
+                                          <p:stCondLst>
+                                            <p:cond delay="0"/>
+                                          </p:stCondLst>
+                                        </p:cTn>
+                                        <p:tgtEl>
+                                          <p:spTgt spid="5"/>
+                                        </p:tgtEl>
+                                        <p:attrNameLst>
+                                          <p:attrName>style.visibility</p:attrName>
+                                        </p:attrNameLst>
+                                      </p:cBhvr>
+                                      <p:to>
+                                        <p:strVal val="visible"/>
+                                      </p:to>
+                                    </p:set>
+                                  </p:childTnLst>
+                                </p:cTn>
+                              </p:par>
+                            </p:childTnLst>
+                          </p:cTn>
+                        </p:par>
+                      </p:childTnLst>
+                    </p:cTn>
+                  </p:par>
+                  <p:par>
+                    <p:cTn id="7" fill="hold">
+                      <p:stCondLst>
+                        <p:cond delay="indefinite"/>
+                      </p:stCondLst>
+                      <p:childTnLst>
+                        <p:par>
+                          <p:cTn id="8" fill="hold">
+                            <p:stCondLst>
+                              <p:cond delay="0"/>
+                            </p:stCondLst>
+                            <p:childTnLst>
+                              <p:par>
+                                <p:cTn id="9" presetID="1" presetClass="entr" presetSubtype="0" fill="hold" nodeType="clickEffect">
+                                  <p:stCondLst>
+                                    <p:cond delay="0"/>
+                                  </p:stCondLst>
+                                  <p:childTnLst>
+                                    <p:set>
+                                      <p:cBhvr>
+                                        <p:cTn id="10" dur="1" fill="hold">
+                                          <p:stCondLst>
+                                            <p:cond delay="0"/>
+                                          </p:stCondLst>
+                                        </p:cTn>
+                                        <p:tgtEl>
+                                          <p:spTgt spid="7"/>
+                                        </p:tgtEl>
+                                        <p:attrNameLst>
+                                          <p:attrName>style.visibility</p:attrName>
+                                        </p:attrNameLst>
+                                      </p:cBhvr>
+                                      <p:to>
+                                        <p:strVal val="visible"/>
+                                      </p:to>
+                                    </p:set>
+                                  </p:childTnLst>
+                                </p:cTn>
+                              </p:par>
+                            </p:childTnLst>
+                          </p:cTn>
+                        </p:par>
+                      </p:childTnLst>
+                    </p:cTn>
+                  </p:par>
+                </p:childTnLst>
+              </p:cTn>
+              <p:prevCondLst>
+                <p:cond evt="onPrev" delay="0">
+                  <p:tgtEl>
+                    <p:sldTgt/>
+                  </p:tgtEl>
+                </p:cond>
+              </p:prevCondLst>
+              <p:nextCondLst>
+                <p:cond evt="onNext" delay="0">
+                  <p:tgtEl>
+                    <p:sldTgt/>
+                  </p:tgtEl>
+                </p:cond>
+              </p:nextCondLst>
+            </p:seq>
+          </p:childTnLst>
+        </p:cTn>
+      </p:par>
+    </p:tnLst>
+  </p:timing>
+</p:sld>
+</file>
+
+<file path=ppt/slides/slide9.xml><?xml version="1.0" encoding="utf-8"?>
+<p:sld xmlns:a="http://schemas.openxmlformats.org/drawingml/2006/main" xmlns:r="http://schemas.openxmlformats.org/officeDocument/2006/relationships" xmlns:p="http://schemas.openxmlformats.org/presentationml/2006/main">
+  <p:cSld>
+    <p:spTree>
+      <p:nvGrpSpPr>
+        <p:cNvPr id="1" name=""/>
+        <p:cNvGrpSpPr/>
+        <p:nvPr/>
+      </p:nvGrpSpPr>
+      <p:grpSpPr>
+        <a:xfrm>
+          <a:off x="0" y="0"/>
+          <a:ext cx="0" cy="0"/>
+          <a:chOff x="0" y="0"/>
+          <a:chExt cx="0" cy="0"/>
+        </a:xfrm>
+      </p:grpSpPr>
+      <p:sp>
+        <p:nvSpPr>
+          <p:cNvPr id="2" name="Title 1">
+            <a:extLst>
+              <a:ext uri="{FF2B5EF4-FFF2-40B4-BE49-F238E27FC236}">
+                <a16:creationId xmlns:a16="http://schemas.microsoft.com/office/drawing/2014/main" id="{EB72E73B-D687-3E41-9061-15C91EEE8BE9}"/>
+              </a:ext>
+            </a:extLst>
+          </p:cNvPr>
+          <p:cNvSpPr>
+            <a:spLocks noGrp="1"/>
+          </p:cNvSpPr>
+          <p:nvPr>
+            <p:ph type="title"/>
+          </p:nvPr>
+        </p:nvSpPr>
+        <p:spPr/>
+        <p:txBody>
+          <a:bodyPr/>
+          <a:lstStyle/>
+          <a:p>
+            <a:r>
+              <a:rPr lang="en-US" dirty="0"/>
+              <a:t>Unfortunately…</a:t>
+            </a:r>
+          </a:p>
+        </p:txBody>
+      </p:sp>
+      <p:sp>
+        <p:nvSpPr>
+          <p:cNvPr id="3" name="Content Placeholder 2">
+            <a:extLst>
+              <a:ext uri="{FF2B5EF4-FFF2-40B4-BE49-F238E27FC236}">
+                <a16:creationId xmlns:a16="http://schemas.microsoft.com/office/drawing/2014/main" id="{B2ECD946-A97A-8A45-B2B0-69D0C9E409EC}"/>
+              </a:ext>
+            </a:extLst>
+          </p:cNvPr>
+          <p:cNvSpPr>
+            <a:spLocks noGrp="1"/>
+          </p:cNvSpPr>
+          <p:nvPr>
+            <p:ph idx="1"/>
+          </p:nvPr>
+        </p:nvSpPr>
+        <p:spPr>
+          <a:xfrm>
+            <a:off x="2231136" y="2638044"/>
+            <a:ext cx="7729728" cy="3614475"/>
+          </a:xfrm>
+        </p:spPr>
+        <p:txBody>
+          <a:bodyPr>
+            <a:normAutofit fontScale="92500" lnSpcReduction="20000"/>
+          </a:bodyPr>
+          <a:lstStyle/>
+          <a:p>
+            <a:r>
+              <a:rPr lang="en-US" dirty="0"/>
+              <a:t>Creepy story from r/</a:t>
+            </a:r>
+            <a:r>
+              <a:rPr lang="en-US" dirty="0" err="1"/>
+              <a:t>shortscarystories</a:t>
+            </a:r>
+            <a:r>
+              <a:rPr lang="en-US" dirty="0"/>
+              <a:t>: </a:t>
+            </a:r>
+            <a:r>
+              <a:rPr lang="en-US" dirty="0">
+                <a:hlinkClick r:id="rId2"/>
+              </a:rPr>
+              <a:t>https://www.reddit.com/r/shortscarystories/comments/jhai29/i_31m_need_help_planning_a_second_dateamicable/</a:t>
+            </a:r>
+            <a:endParaRPr lang="en-US" dirty="0"/>
+          </a:p>
+          <a:p>
+            <a:pPr lvl="1"/>
+            <a:r>
+              <a:rPr lang="en-US" dirty="0"/>
+              <a:t>Upvotes: 1310</a:t>
+            </a:r>
+          </a:p>
+          <a:p>
+            <a:pPr lvl="1"/>
+            <a:r>
+              <a:rPr lang="en-US" dirty="0"/>
+              <a:t>Includes emoji</a:t>
+            </a:r>
+          </a:p>
+          <a:p>
+            <a:pPr lvl="1"/>
+            <a:r>
+              <a:rPr lang="en-US" dirty="0"/>
+              <a:t>56 sentences</a:t>
+            </a:r>
+          </a:p>
+          <a:p>
+            <a:r>
+              <a:rPr lang="en-US" dirty="0"/>
+              <a:t>Non-creepy story from r/self: </a:t>
+            </a:r>
+            <a:r>
+              <a:rPr lang="en-US" dirty="0">
+                <a:hlinkClick r:id="rId3"/>
+              </a:rPr>
+              <a:t>https://www.reddit.com/r/self/comments/jffwp5/i_just_kept_a_phone_scammer_on_the_line_for_over/</a:t>
+            </a:r>
+            <a:endParaRPr lang="en-US" dirty="0"/>
+          </a:p>
+          <a:p>
+            <a:pPr lvl="1"/>
+            <a:r>
+              <a:rPr lang="en-US" dirty="0"/>
+              <a:t>Upvotes: 1136</a:t>
+            </a:r>
+          </a:p>
+          <a:p>
+            <a:pPr lvl="1"/>
+            <a:r>
+              <a:rPr lang="en-US" dirty="0"/>
+              <a:t>18 sentences</a:t>
+            </a:r>
+          </a:p>
+          <a:p>
+            <a:r>
+              <a:rPr lang="en-US" dirty="0"/>
+              <a:t>Completely different results</a:t>
+            </a:r>
+          </a:p>
+          <a:p>
+            <a:endParaRPr lang="en-US" dirty="0"/>
+          </a:p>
+        </p:txBody>
+      </p:sp>
+      <p:pic>
+        <p:nvPicPr>
+          <p:cNvPr id="5" name="Picture 4" descr="Graphical user interface, text&#10;&#10;Description automatically generated">
+            <a:extLst>
+              <a:ext uri="{FF2B5EF4-FFF2-40B4-BE49-F238E27FC236}">
+                <a16:creationId xmlns:a16="http://schemas.microsoft.com/office/drawing/2014/main" id="{F7F0787C-94B6-BB43-858A-551B8FF77916}"/>
+              </a:ext>
+            </a:extLst>
+          </p:cNvPr>
+          <p:cNvPicPr>
+            <a:picLocks noChangeAspect="1"/>
+          </p:cNvPicPr>
+          <p:nvPr/>
+        </p:nvPicPr>
+        <p:blipFill>
+          <a:blip r:embed="rId4"/>
+          <a:stretch>
+            <a:fillRect/>
+          </a:stretch>
+        </p:blipFill>
+        <p:spPr>
+          <a:xfrm>
+            <a:off x="5329023" y="5130427"/>
+            <a:ext cx="4178300" cy="1219200"/>
+          </a:xfrm>
+          <a:prstGeom prst="rect">
+            <a:avLst/>
+          </a:prstGeom>
+        </p:spPr>
+      </p:pic>
+      <p:cxnSp>
+        <p:nvCxnSpPr>
+          <p:cNvPr id="7" name="Straight Arrow Connector 6">
+            <a:extLst>
+              <a:ext uri="{FF2B5EF4-FFF2-40B4-BE49-F238E27FC236}">
+                <a16:creationId xmlns:a16="http://schemas.microsoft.com/office/drawing/2014/main" id="{EA452741-8A31-4145-906A-D5F9AAE5A10D}"/>
+              </a:ext>
+            </a:extLst>
+          </p:cNvPr>
+          <p:cNvCxnSpPr/>
+          <p:nvPr/>
+        </p:nvCxnSpPr>
+        <p:spPr>
+          <a:xfrm flipH="1">
+            <a:off x="7861852" y="5377070"/>
+            <a:ext cx="2186609" cy="526773"/>
+          </a:xfrm>
+          <a:prstGeom prst="straightConnector1">
+            <a:avLst/>
+          </a:prstGeom>
+          <a:ln>
+            <a:tailEnd type="triangle"/>
+          </a:ln>
+        </p:spPr>
+        <p:style>
+          <a:lnRef idx="3">
+            <a:schemeClr val="accent1"/>
+          </a:lnRef>
+          <a:fillRef idx="0">
+            <a:schemeClr val="accent1"/>
+          </a:fillRef>
+          <a:effectRef idx="2">
+            <a:schemeClr val="accent1"/>
+          </a:effectRef>
+          <a:fontRef idx="minor">
+            <a:schemeClr val="tx1"/>
+          </a:fontRef>
+        </p:style>
+      </p:cxnSp>
+      <p:sp>
+        <p:nvSpPr>
+          <p:cNvPr id="8" name="TextBox 7">
+            <a:extLst>
+              <a:ext uri="{FF2B5EF4-FFF2-40B4-BE49-F238E27FC236}">
+                <a16:creationId xmlns:a16="http://schemas.microsoft.com/office/drawing/2014/main" id="{872B25C2-19B6-1045-B48F-4F782FA2270E}"/>
+              </a:ext>
+            </a:extLst>
+          </p:cNvPr>
+          <p:cNvSpPr txBox="1"/>
+          <p:nvPr/>
+        </p:nvSpPr>
+        <p:spPr>
+          <a:xfrm>
+            <a:off x="10048461" y="4703514"/>
+            <a:ext cx="1991691" cy="1200329"/>
+          </a:xfrm>
+          <a:prstGeom prst="rect">
+            <a:avLst/>
+          </a:prstGeom>
+          <a:noFill/>
+        </p:spPr>
+        <p:txBody>
+          <a:bodyPr wrap="square" rtlCol="0">
+            <a:spAutoFit/>
+          </a:bodyPr>
+          <a:lstStyle/>
+          <a:p>
+            <a:r>
+              <a:rPr lang="en-US" dirty="0"/>
+              <a:t>This one is creepy text. It should have been 1, but this is close to 0…</a:t>
+            </a:r>
+          </a:p>
+        </p:txBody>
+      </p:sp>
+      <p:cxnSp>
+        <p:nvCxnSpPr>
+          <p:cNvPr id="9" name="Straight Arrow Connector 8">
+            <a:extLst>
+              <a:ext uri="{FF2B5EF4-FFF2-40B4-BE49-F238E27FC236}">
+                <a16:creationId xmlns:a16="http://schemas.microsoft.com/office/drawing/2014/main" id="{827D00D3-CA2E-2A4C-A144-DE23D3D19DF1}"/>
+              </a:ext>
+            </a:extLst>
+          </p:cNvPr>
+          <p:cNvCxnSpPr>
+            <a:cxnSpLocks/>
+          </p:cNvCxnSpPr>
+          <p:nvPr/>
+        </p:nvCxnSpPr>
+        <p:spPr>
+          <a:xfrm flipH="1" flipV="1">
+            <a:off x="7682948" y="6134795"/>
+            <a:ext cx="636104" cy="461475"/>
+          </a:xfrm>
+          <a:prstGeom prst="straightConnector1">
+            <a:avLst/>
+          </a:prstGeom>
+          <a:ln>
+            <a:tailEnd type="triangle"/>
+          </a:ln>
+        </p:spPr>
+        <p:style>
+          <a:lnRef idx="3">
+            <a:schemeClr val="accent1"/>
+          </a:lnRef>
+          <a:fillRef idx="0">
+            <a:schemeClr val="accent1"/>
+          </a:fillRef>
+          <a:effectRef idx="2">
+            <a:schemeClr val="accent1"/>
+          </a:effectRef>
+          <a:fontRef idx="minor">
+            <a:schemeClr val="tx1"/>
+          </a:fontRef>
+        </p:style>
+      </p:cxnSp>
+      <p:sp>
+        <p:nvSpPr>
+          <p:cNvPr id="12" name="TextBox 11">
+            <a:extLst>
+              <a:ext uri="{FF2B5EF4-FFF2-40B4-BE49-F238E27FC236}">
+                <a16:creationId xmlns:a16="http://schemas.microsoft.com/office/drawing/2014/main" id="{3606A287-F038-1C47-90E5-BB6462AA3853}"/>
+              </a:ext>
+            </a:extLst>
+          </p:cNvPr>
+          <p:cNvSpPr txBox="1"/>
+          <p:nvPr/>
+        </p:nvSpPr>
+        <p:spPr>
+          <a:xfrm>
+            <a:off x="8319052" y="6411604"/>
+            <a:ext cx="3260035" cy="369332"/>
+          </a:xfrm>
+          <a:prstGeom prst="rect">
+            <a:avLst/>
+          </a:prstGeom>
+          <a:noFill/>
+        </p:spPr>
+        <p:txBody>
+          <a:bodyPr wrap="square" rtlCol="0">
+            <a:spAutoFit/>
+          </a:bodyPr>
+          <a:lstStyle/>
+          <a:p>
+            <a:r>
+              <a:rPr lang="en-US" dirty="0"/>
+              <a:t>Similarly, this should have been 0</a:t>
+            </a:r>
+          </a:p>
+        </p:txBody>
+      </p:sp>
+    </p:spTree>
+    <p:extLst>
+      <p:ext uri="{BB962C8B-B14F-4D97-AF65-F5344CB8AC3E}">
+        <p14:creationId xmlns:p14="http://schemas.microsoft.com/office/powerpoint/2010/main" val="1099956114"/>
       </p:ext>
     </p:extLst>
   </p:cSld>
